--- a/week-9&10/problem-set/2801ict-week9&10.pptx
+++ b/week-9&10/problem-set/2801ict-week9&10.pptx
@@ -229,7 +229,7 @@
           <a:p>
             <a:fld id="{3D2D70BE-9BA5-0840-995B-BFFD4C7FE959}" type="datetimeFigureOut">
               <a:rPr lang="en-US" smtClean="0"/>
-              <a:t>5/25/23</a:t>
+              <a:t>5/10/24</a:t>
             </a:fld>
             <a:endParaRPr lang="en-US"/>
           </a:p>
@@ -2746,7 +2746,7 @@
           <a:p>
             <a:fld id="{64F78B4D-07D2-EE44-97CA-39515812F8F1}" type="datetimeFigureOut">
               <a:rPr lang="en-US" smtClean="0"/>
-              <a:t>5/25/23</a:t>
+              <a:t>5/10/24</a:t>
             </a:fld>
             <a:endParaRPr lang="en-US"/>
           </a:p>
@@ -2946,7 +2946,7 @@
           <a:p>
             <a:fld id="{64F78B4D-07D2-EE44-97CA-39515812F8F1}" type="datetimeFigureOut">
               <a:rPr lang="en-US" smtClean="0"/>
-              <a:t>5/25/23</a:t>
+              <a:t>5/10/24</a:t>
             </a:fld>
             <a:endParaRPr lang="en-US"/>
           </a:p>
@@ -3156,7 +3156,7 @@
           <a:p>
             <a:fld id="{64F78B4D-07D2-EE44-97CA-39515812F8F1}" type="datetimeFigureOut">
               <a:rPr lang="en-US" smtClean="0"/>
-              <a:t>5/25/23</a:t>
+              <a:t>5/10/24</a:t>
             </a:fld>
             <a:endParaRPr lang="en-US"/>
           </a:p>
@@ -3356,7 +3356,7 @@
           <a:p>
             <a:fld id="{64F78B4D-07D2-EE44-97CA-39515812F8F1}" type="datetimeFigureOut">
               <a:rPr lang="en-US" smtClean="0"/>
-              <a:t>5/25/23</a:t>
+              <a:t>5/10/24</a:t>
             </a:fld>
             <a:endParaRPr lang="en-US"/>
           </a:p>
@@ -3632,7 +3632,7 @@
           <a:p>
             <a:fld id="{64F78B4D-07D2-EE44-97CA-39515812F8F1}" type="datetimeFigureOut">
               <a:rPr lang="en-US" smtClean="0"/>
-              <a:t>5/25/23</a:t>
+              <a:t>5/10/24</a:t>
             </a:fld>
             <a:endParaRPr lang="en-US"/>
           </a:p>
@@ -3900,7 +3900,7 @@
           <a:p>
             <a:fld id="{64F78B4D-07D2-EE44-97CA-39515812F8F1}" type="datetimeFigureOut">
               <a:rPr lang="en-US" smtClean="0"/>
-              <a:t>5/25/23</a:t>
+              <a:t>5/10/24</a:t>
             </a:fld>
             <a:endParaRPr lang="en-US"/>
           </a:p>
@@ -4315,7 +4315,7 @@
           <a:p>
             <a:fld id="{64F78B4D-07D2-EE44-97CA-39515812F8F1}" type="datetimeFigureOut">
               <a:rPr lang="en-US" smtClean="0"/>
-              <a:t>5/25/23</a:t>
+              <a:t>5/10/24</a:t>
             </a:fld>
             <a:endParaRPr lang="en-US"/>
           </a:p>
@@ -4457,7 +4457,7 @@
           <a:p>
             <a:fld id="{64F78B4D-07D2-EE44-97CA-39515812F8F1}" type="datetimeFigureOut">
               <a:rPr lang="en-US" smtClean="0"/>
-              <a:t>5/25/23</a:t>
+              <a:t>5/10/24</a:t>
             </a:fld>
             <a:endParaRPr lang="en-US"/>
           </a:p>
@@ -4570,7 +4570,7 @@
           <a:p>
             <a:fld id="{64F78B4D-07D2-EE44-97CA-39515812F8F1}" type="datetimeFigureOut">
               <a:rPr lang="en-US" smtClean="0"/>
-              <a:t>5/25/23</a:t>
+              <a:t>5/10/24</a:t>
             </a:fld>
             <a:endParaRPr lang="en-US"/>
           </a:p>
@@ -4883,7 +4883,7 @@
           <a:p>
             <a:fld id="{64F78B4D-07D2-EE44-97CA-39515812F8F1}" type="datetimeFigureOut">
               <a:rPr lang="en-US" smtClean="0"/>
-              <a:t>5/25/23</a:t>
+              <a:t>5/10/24</a:t>
             </a:fld>
             <a:endParaRPr lang="en-US"/>
           </a:p>
@@ -5172,7 +5172,7 @@
           <a:p>
             <a:fld id="{64F78B4D-07D2-EE44-97CA-39515812F8F1}" type="datetimeFigureOut">
               <a:rPr lang="en-US" smtClean="0"/>
-              <a:t>5/25/23</a:t>
+              <a:t>5/10/24</a:t>
             </a:fld>
             <a:endParaRPr lang="en-US"/>
           </a:p>
@@ -5418,7 +5418,7 @@
             <a:fld id="{64F78B4D-07D2-EE44-97CA-39515812F8F1}" type="datetimeFigureOut">
               <a:rPr lang="en-US" smtClean="0"/>
               <a:pPr/>
-              <a:t>5/25/23</a:t>
+              <a:t>5/10/24</a:t>
             </a:fld>
             <a:endParaRPr lang="en-US"/>
           </a:p>
@@ -17481,8 +17481,13 @@
             </a:pPr>
             <a:r>
               <a:rPr lang="en-US" b="1" dirty="0"/>
-              <a:t>Prove the correctness of Dijkstra’s algorithm for graphs with positive weights.</a:t>
-            </a:r>
+              <a:t>Prove the correctness of Dijkstra’s algorithm for graphs with positive weights. </a:t>
+            </a:r>
+            <a:r>
+              <a:rPr lang="en-US" b="1"/>
+              <a:t>(OPTIONAL)</a:t>
+            </a:r>
+            <a:endParaRPr lang="en-US" b="1" dirty="0"/>
           </a:p>
           <a:p>
             <a:pPr marL="0" indent="0">
